--- a/01 Classes/02- Arquiteturas_Comp1/Aula7 - Arquitetura.pptx
+++ b/01 Classes/02- Arquiteturas_Comp1/Aula7 - Arquitetura.pptx
@@ -311,7 +311,7 @@
       </p15:sldGuideLst>
     </p:ext>
     <p:ext uri="http://customooxmlschemas.google.com/">
-      <go:slidesCustomData xmlns="" xmlns:mc="http://schemas.openxmlformats.org/markup-compatibility/2006" xmlns:mv="urn:schemas-microsoft-com:mac:vml" xmlns:c="http://schemas.openxmlformats.org/drawingml/2006/chart" xmlns:dgm="http://schemas.openxmlformats.org/drawingml/2006/diagram" xmlns:o="urn:schemas-microsoft-com:office:office" xmlns:v="urn:schemas-microsoft-com:vml" xmlns:pvml="urn:schemas-microsoft-com:office:powerpoint" xmlns:com="http://schemas.openxmlformats.org/drawingml/2006/compatibility" xmlns:p14="http://schemas.microsoft.com/office/powerpoint/2010/main" xmlns:p15="http://schemas.microsoft.com/office/powerpoint/2012/main" xmlns:ahyp="http://schemas.microsoft.com/office/drawing/2018/hyperlinkcolor" xmlns:go="http://customooxmlschemas.google.com/" r:id="rId58" roundtripDataSignature="AMtx7miAiLrPbT3ci0Tlw/hHFb0dnYspjQ=="/>
+      <go:slidesCustomData xmlns:go="http://customooxmlschemas.google.com/" xmlns:ahyp="http://schemas.microsoft.com/office/drawing/2018/hyperlinkcolor" xmlns:p15="http://schemas.microsoft.com/office/powerpoint/2012/main" xmlns:p14="http://schemas.microsoft.com/office/powerpoint/2010/main" xmlns:com="http://schemas.openxmlformats.org/drawingml/2006/compatibility" xmlns:pvml="urn:schemas-microsoft-com:office:powerpoint" xmlns:v="urn:schemas-microsoft-com:vml" xmlns:o="urn:schemas-microsoft-com:office:office" xmlns:dgm="http://schemas.openxmlformats.org/drawingml/2006/diagram" xmlns:c="http://schemas.openxmlformats.org/drawingml/2006/chart" xmlns:mv="urn:schemas-microsoft-com:mac:vml" xmlns:mc="http://schemas.openxmlformats.org/markup-compatibility/2006" xmlns="" r:id="rId58" roundtripDataSignature="AMtx7miAiLrPbT3ci0Tlw/hHFb0dnYspjQ=="/>
     </p:ext>
   </p:extLst>
 </p:presentation>
@@ -3251,7 +3251,7 @@
               <a:pPr>
                 <a:defRPr/>
               </a:pPr>
-              <a:t>05/04/2021</a:t>
+              <a:t>26/10/2022</a:t>
             </a:fld>
             <a:endParaRPr lang="pt-BR"/>
           </a:p>
@@ -13427,7 +13427,7 @@
               <a:buFont typeface="Noto Sans Symbols"/>
               <a:buNone/>
             </a:pPr>
-            <a:endParaRPr sz="2700" b="0" i="0" u="none" strike="noStrike" cap="none">
+            <a:endParaRPr sz="2700" b="0" i="0" u="none" strike="noStrike" cap="none" dirty="0">
               <a:solidFill>
                 <a:schemeClr val="dk2"/>
               </a:solidFill>
@@ -13456,7 +13456,7 @@
               <a:buNone/>
             </a:pPr>
             <a:r>
-              <a:rPr lang="pt-BR" sz="2000" b="1" i="0" u="none" strike="noStrike" cap="none">
+              <a:rPr lang="pt-BR" sz="2000" b="1" i="0" u="none" strike="noStrike" cap="none" dirty="0">
                 <a:solidFill>
                   <a:schemeClr val="dk2"/>
                 </a:solidFill>
@@ -13465,9 +13465,9 @@
                 <a:cs typeface="Calibri"/>
                 <a:sym typeface="Calibri"/>
               </a:rPr>
-              <a:t>Talita Rocha Pinheiro</a:t>
+              <a:t>Heleno Cardoso</a:t>
             </a:r>
-            <a:endParaRPr sz="3000" b="1" i="0" u="none" strike="noStrike" cap="none">
+            <a:endParaRPr sz="3000" b="1" i="0" u="none" strike="noStrike" cap="none" dirty="0">
               <a:solidFill>
                 <a:schemeClr val="dk2"/>
               </a:solidFill>
@@ -45965,7 +45965,7 @@
               <a:buFont typeface="Noto Sans Symbols"/>
               <a:buNone/>
             </a:pPr>
-            <a:endParaRPr sz="2700" b="0" i="0" u="none" strike="noStrike" cap="none">
+            <a:endParaRPr sz="2700" b="0" i="0" u="none" strike="noStrike" cap="none" dirty="0">
               <a:solidFill>
                 <a:schemeClr val="dk2"/>
               </a:solidFill>
@@ -45994,7 +45994,7 @@
               <a:buNone/>
             </a:pPr>
             <a:r>
-              <a:rPr lang="pt-BR" sz="2000" b="1" i="0" u="none" strike="noStrike" cap="none">
+              <a:rPr lang="pt-BR" sz="2000" b="1" i="0" u="none" strike="noStrike" cap="none" dirty="0">
                 <a:solidFill>
                   <a:schemeClr val="dk2"/>
                 </a:solidFill>
@@ -46003,9 +46003,47 @@
                 <a:cs typeface="Calibri"/>
                 <a:sym typeface="Calibri"/>
               </a:rPr>
-              <a:t>Talita Rocha Pinheiro</a:t>
+              <a:t>Heleno Cardoso</a:t>
             </a:r>
-            <a:endParaRPr sz="3000" b="1" i="0" u="none" strike="noStrike" cap="none">
+          </a:p>
+          <a:p>
+            <a:pPr algn="ctr">
+              <a:spcBef>
+                <a:spcPts val="400"/>
+              </a:spcBef>
+              <a:buSzPts val="2000"/>
+            </a:pPr>
+            <a:r>
+              <a:rPr lang="pt-BR" sz="2000" b="1" dirty="0">
+                <a:solidFill>
+                  <a:schemeClr val="dk2"/>
+                </a:solidFill>
+                <a:latin typeface="Calibri"/>
+                <a:cs typeface="Calibri"/>
+                <a:sym typeface="Calibri"/>
+              </a:rPr>
+              <a:t>Créditos: Professora Talita Rocha Pinheiro</a:t>
+            </a:r>
+          </a:p>
+          <a:p>
+            <a:pPr marL="0" marR="0" lvl="0" indent="0" algn="ctr" rtl="0">
+              <a:lnSpc>
+                <a:spcPct val="100000"/>
+              </a:lnSpc>
+              <a:spcBef>
+                <a:spcPts val="400"/>
+              </a:spcBef>
+              <a:spcAft>
+                <a:spcPts val="0"/>
+              </a:spcAft>
+              <a:buClr>
+                <a:srgbClr val="000000"/>
+              </a:buClr>
+              <a:buSzPts val="2000"/>
+              <a:buFont typeface="Arial"/>
+              <a:buNone/>
+            </a:pPr>
+            <a:endParaRPr sz="3000" b="1" i="0" u="none" strike="noStrike" cap="none" dirty="0">
               <a:solidFill>
                 <a:schemeClr val="dk2"/>
               </a:solidFill>
